--- a/docs/Презентация.pptx
+++ b/docs/Презентация.pptx
@@ -9910,7 +9910,7 @@
             </a:pPr>
             <a:r>
               <a:rPr lang="ru"/>
-              <a:t>Создать аркадную игру с помощью библиотеки pygame </a:t>
+              <a:t>Создать аркадную игру с помощью библиотеки pygame, используя анимацию и спрайты  </a:t>
             </a:r>
             <a:endParaRPr/>
           </a:p>
@@ -10048,7 +10048,7 @@
             </a:pPr>
             <a:r>
               <a:rPr lang="ru"/>
-              <a:t>bullet.py - класс для вывода и перемешения пули</a:t>
+              <a:t>bullet.py - класс для вывода и перемещения пули</a:t>
             </a:r>
             <a:endParaRPr/>
           </a:p>
